--- a/ppt 16-9/0578.荣耀归主.pptx
+++ b/ppt 16-9/0578.荣耀归主.pptx
@@ -5,7 +5,7 @@
     <p:sldMasterId id="2147483648" r:id="rId1"/>
   </p:sldMasterIdLst>
   <p:sldIdLst>
-    <p:sldId id="2342" r:id="rId2"/>
+    <p:sldId id="2343" r:id="rId2"/>
   </p:sldIdLst>
   <p:sldSz cx="12192000" cy="6858000"/>
   <p:notesSz cx="6858000" cy="9144000"/>
@@ -129,7 +129,7 @@
           <p:cNvPr id="2" name="标题 1">
             <a:extLst>
               <a:ext uri="{FF2B5EF4-FFF2-40B4-BE49-F238E27FC236}">
-                <a16:creationId xmlns:a16="http://schemas.microsoft.com/office/drawing/2014/main" id="{1685462F-43B3-33BF-0F1E-C9E0D47033E2}"/>
+                <a16:creationId xmlns:a16="http://schemas.microsoft.com/office/drawing/2014/main" id="{F2201652-12FC-9144-C4D5-4073C5620C3F}"/>
               </a:ext>
             </a:extLst>
           </p:cNvPr>
@@ -166,7 +166,7 @@
           <p:cNvPr id="3" name="副标题 2">
             <a:extLst>
               <a:ext uri="{FF2B5EF4-FFF2-40B4-BE49-F238E27FC236}">
-                <a16:creationId xmlns:a16="http://schemas.microsoft.com/office/drawing/2014/main" id="{338639EE-095E-BA2E-9A90-795EDCCE51EE}"/>
+                <a16:creationId xmlns:a16="http://schemas.microsoft.com/office/drawing/2014/main" id="{5811A3BD-BEFE-C662-5525-F7E95CF631B9}"/>
               </a:ext>
             </a:extLst>
           </p:cNvPr>
@@ -236,7 +236,7 @@
           <p:cNvPr id="4" name="日期占位符 3">
             <a:extLst>
               <a:ext uri="{FF2B5EF4-FFF2-40B4-BE49-F238E27FC236}">
-                <a16:creationId xmlns:a16="http://schemas.microsoft.com/office/drawing/2014/main" id="{CD238B7B-C009-1319-37FA-63EF04A6FC71}"/>
+                <a16:creationId xmlns:a16="http://schemas.microsoft.com/office/drawing/2014/main" id="{929C53AB-0007-F8B6-B113-BA15D900E3EF}"/>
               </a:ext>
             </a:extLst>
           </p:cNvPr>
@@ -252,7 +252,7 @@
           <a:bodyPr/>
           <a:lstStyle/>
           <a:p>
-            <a:fld id="{9A73021C-70A9-4F33-B72E-1170C1D69592}" type="datetimeFigureOut">
+            <a:fld id="{717D23BE-C6ED-426F-91A9-1DC5F3160D60}" type="datetimeFigureOut">
               <a:rPr lang="zh-CN" altLang="en-US" smtClean="0"/>
               <a:t>2024/3/10</a:t>
             </a:fld>
@@ -265,7 +265,7 @@
           <p:cNvPr id="5" name="页脚占位符 4">
             <a:extLst>
               <a:ext uri="{FF2B5EF4-FFF2-40B4-BE49-F238E27FC236}">
-                <a16:creationId xmlns:a16="http://schemas.microsoft.com/office/drawing/2014/main" id="{032B0FF5-D729-7F4B-FC9A-1E3559596AA3}"/>
+                <a16:creationId xmlns:a16="http://schemas.microsoft.com/office/drawing/2014/main" id="{8B7D64C4-A361-0C05-A142-24E9316BB757}"/>
               </a:ext>
             </a:extLst>
           </p:cNvPr>
@@ -290,7 +290,7 @@
           <p:cNvPr id="6" name="灯片编号占位符 5">
             <a:extLst>
               <a:ext uri="{FF2B5EF4-FFF2-40B4-BE49-F238E27FC236}">
-                <a16:creationId xmlns:a16="http://schemas.microsoft.com/office/drawing/2014/main" id="{8F42445C-7F61-73F8-A523-02BC146F0527}"/>
+                <a16:creationId xmlns:a16="http://schemas.microsoft.com/office/drawing/2014/main" id="{2DD251B5-9A42-DBC5-7601-3EBE9206F70F}"/>
               </a:ext>
             </a:extLst>
           </p:cNvPr>
@@ -306,7 +306,7 @@
           <a:bodyPr/>
           <a:lstStyle/>
           <a:p>
-            <a:fld id="{2E69D7FE-66E2-4CD9-BF51-7A7153005A3D}" type="slidenum">
+            <a:fld id="{C386F4B7-D934-4675-87BE-4918B764DBCB}" type="slidenum">
               <a:rPr lang="zh-CN" altLang="en-US" smtClean="0"/>
               <a:t>‹#›</a:t>
             </a:fld>
@@ -317,7 +317,7 @@
     </p:spTree>
     <p:extLst>
       <p:ext uri="{BB962C8B-B14F-4D97-AF65-F5344CB8AC3E}">
-        <p14:creationId xmlns:p14="http://schemas.microsoft.com/office/powerpoint/2010/main" val="1708092108"/>
+        <p14:creationId xmlns:p14="http://schemas.microsoft.com/office/powerpoint/2010/main" val="2160532008"/>
       </p:ext>
     </p:extLst>
   </p:cSld>
@@ -349,7 +349,7 @@
           <p:cNvPr id="2" name="标题 1">
             <a:extLst>
               <a:ext uri="{FF2B5EF4-FFF2-40B4-BE49-F238E27FC236}">
-                <a16:creationId xmlns:a16="http://schemas.microsoft.com/office/drawing/2014/main" id="{A113994A-83EB-2726-98E8-0F49C3DAC170}"/>
+                <a16:creationId xmlns:a16="http://schemas.microsoft.com/office/drawing/2014/main" id="{110AB5E0-DB11-070D-7CD8-3B3F13F5C5E1}"/>
               </a:ext>
             </a:extLst>
           </p:cNvPr>
@@ -377,7 +377,7 @@
           <p:cNvPr id="3" name="竖排文字占位符 2">
             <a:extLst>
               <a:ext uri="{FF2B5EF4-FFF2-40B4-BE49-F238E27FC236}">
-                <a16:creationId xmlns:a16="http://schemas.microsoft.com/office/drawing/2014/main" id="{CB6E0F78-3895-9C26-50B5-4E454B87E7C1}"/>
+                <a16:creationId xmlns:a16="http://schemas.microsoft.com/office/drawing/2014/main" id="{09DD2E65-343E-5A4D-691F-6A909F4F8F74}"/>
               </a:ext>
             </a:extLst>
           </p:cNvPr>
@@ -434,7 +434,7 @@
           <p:cNvPr id="4" name="日期占位符 3">
             <a:extLst>
               <a:ext uri="{FF2B5EF4-FFF2-40B4-BE49-F238E27FC236}">
-                <a16:creationId xmlns:a16="http://schemas.microsoft.com/office/drawing/2014/main" id="{C9613F75-7C4A-1A2C-6C71-C6B08D7CDD37}"/>
+                <a16:creationId xmlns:a16="http://schemas.microsoft.com/office/drawing/2014/main" id="{918664D0-FF78-7688-2174-C1A1F1EAA48A}"/>
               </a:ext>
             </a:extLst>
           </p:cNvPr>
@@ -450,7 +450,7 @@
           <a:bodyPr/>
           <a:lstStyle/>
           <a:p>
-            <a:fld id="{9A73021C-70A9-4F33-B72E-1170C1D69592}" type="datetimeFigureOut">
+            <a:fld id="{717D23BE-C6ED-426F-91A9-1DC5F3160D60}" type="datetimeFigureOut">
               <a:rPr lang="zh-CN" altLang="en-US" smtClean="0"/>
               <a:t>2024/3/10</a:t>
             </a:fld>
@@ -463,7 +463,7 @@
           <p:cNvPr id="5" name="页脚占位符 4">
             <a:extLst>
               <a:ext uri="{FF2B5EF4-FFF2-40B4-BE49-F238E27FC236}">
-                <a16:creationId xmlns:a16="http://schemas.microsoft.com/office/drawing/2014/main" id="{2446E8A2-3605-3DA4-E918-ABB683BB5743}"/>
+                <a16:creationId xmlns:a16="http://schemas.microsoft.com/office/drawing/2014/main" id="{E54E6413-237F-A3FE-6AFE-BD07695317BF}"/>
               </a:ext>
             </a:extLst>
           </p:cNvPr>
@@ -488,7 +488,7 @@
           <p:cNvPr id="6" name="灯片编号占位符 5">
             <a:extLst>
               <a:ext uri="{FF2B5EF4-FFF2-40B4-BE49-F238E27FC236}">
-                <a16:creationId xmlns:a16="http://schemas.microsoft.com/office/drawing/2014/main" id="{9FAF8429-C599-67F7-128C-C76D2877C745}"/>
+                <a16:creationId xmlns:a16="http://schemas.microsoft.com/office/drawing/2014/main" id="{399C386D-5B2E-7093-E54B-2870B86FC62C}"/>
               </a:ext>
             </a:extLst>
           </p:cNvPr>
@@ -504,7 +504,7 @@
           <a:bodyPr/>
           <a:lstStyle/>
           <a:p>
-            <a:fld id="{2E69D7FE-66E2-4CD9-BF51-7A7153005A3D}" type="slidenum">
+            <a:fld id="{C386F4B7-D934-4675-87BE-4918B764DBCB}" type="slidenum">
               <a:rPr lang="zh-CN" altLang="en-US" smtClean="0"/>
               <a:t>‹#›</a:t>
             </a:fld>
@@ -515,7 +515,7 @@
     </p:spTree>
     <p:extLst>
       <p:ext uri="{BB962C8B-B14F-4D97-AF65-F5344CB8AC3E}">
-        <p14:creationId xmlns:p14="http://schemas.microsoft.com/office/powerpoint/2010/main" val="2581605545"/>
+        <p14:creationId xmlns:p14="http://schemas.microsoft.com/office/powerpoint/2010/main" val="3686914102"/>
       </p:ext>
     </p:extLst>
   </p:cSld>
@@ -547,7 +547,7 @@
           <p:cNvPr id="2" name="竖排标题 1">
             <a:extLst>
               <a:ext uri="{FF2B5EF4-FFF2-40B4-BE49-F238E27FC236}">
-                <a16:creationId xmlns:a16="http://schemas.microsoft.com/office/drawing/2014/main" id="{2BCD97F2-D5FC-6001-BA92-53DE4661459A}"/>
+                <a16:creationId xmlns:a16="http://schemas.microsoft.com/office/drawing/2014/main" id="{D51456FD-742A-4838-C727-89E72C1391D2}"/>
               </a:ext>
             </a:extLst>
           </p:cNvPr>
@@ -580,7 +580,7 @@
           <p:cNvPr id="3" name="竖排文字占位符 2">
             <a:extLst>
               <a:ext uri="{FF2B5EF4-FFF2-40B4-BE49-F238E27FC236}">
-                <a16:creationId xmlns:a16="http://schemas.microsoft.com/office/drawing/2014/main" id="{6F2B2CA0-8E2B-51D0-D7CF-54D4A3B93AAD}"/>
+                <a16:creationId xmlns:a16="http://schemas.microsoft.com/office/drawing/2014/main" id="{1FFF5C43-B308-241D-D4D0-68A4032108D5}"/>
               </a:ext>
             </a:extLst>
           </p:cNvPr>
@@ -642,7 +642,7 @@
           <p:cNvPr id="4" name="日期占位符 3">
             <a:extLst>
               <a:ext uri="{FF2B5EF4-FFF2-40B4-BE49-F238E27FC236}">
-                <a16:creationId xmlns:a16="http://schemas.microsoft.com/office/drawing/2014/main" id="{886ADC4D-7B07-732F-4384-F30844AF8F22}"/>
+                <a16:creationId xmlns:a16="http://schemas.microsoft.com/office/drawing/2014/main" id="{5F17BA5D-0233-CABC-9517-93B8C2917486}"/>
               </a:ext>
             </a:extLst>
           </p:cNvPr>
@@ -658,7 +658,7 @@
           <a:bodyPr/>
           <a:lstStyle/>
           <a:p>
-            <a:fld id="{9A73021C-70A9-4F33-B72E-1170C1D69592}" type="datetimeFigureOut">
+            <a:fld id="{717D23BE-C6ED-426F-91A9-1DC5F3160D60}" type="datetimeFigureOut">
               <a:rPr lang="zh-CN" altLang="en-US" smtClean="0"/>
               <a:t>2024/3/10</a:t>
             </a:fld>
@@ -671,7 +671,7 @@
           <p:cNvPr id="5" name="页脚占位符 4">
             <a:extLst>
               <a:ext uri="{FF2B5EF4-FFF2-40B4-BE49-F238E27FC236}">
-                <a16:creationId xmlns:a16="http://schemas.microsoft.com/office/drawing/2014/main" id="{69A83C99-9BB3-E27E-30F9-E784A427B97E}"/>
+                <a16:creationId xmlns:a16="http://schemas.microsoft.com/office/drawing/2014/main" id="{22296E5A-9D73-5FB4-1FA3-5BF0D5FB2F4B}"/>
               </a:ext>
             </a:extLst>
           </p:cNvPr>
@@ -696,7 +696,7 @@
           <p:cNvPr id="6" name="灯片编号占位符 5">
             <a:extLst>
               <a:ext uri="{FF2B5EF4-FFF2-40B4-BE49-F238E27FC236}">
-                <a16:creationId xmlns:a16="http://schemas.microsoft.com/office/drawing/2014/main" id="{9BAF8B0C-A88C-C443-715A-A6F0D051F5A6}"/>
+                <a16:creationId xmlns:a16="http://schemas.microsoft.com/office/drawing/2014/main" id="{D61B425A-4804-F74F-8DBC-080AF059758D}"/>
               </a:ext>
             </a:extLst>
           </p:cNvPr>
@@ -712,7 +712,7 @@
           <a:bodyPr/>
           <a:lstStyle/>
           <a:p>
-            <a:fld id="{2E69D7FE-66E2-4CD9-BF51-7A7153005A3D}" type="slidenum">
+            <a:fld id="{C386F4B7-D934-4675-87BE-4918B764DBCB}" type="slidenum">
               <a:rPr lang="zh-CN" altLang="en-US" smtClean="0"/>
               <a:t>‹#›</a:t>
             </a:fld>
@@ -723,7 +723,7 @@
     </p:spTree>
     <p:extLst>
       <p:ext uri="{BB962C8B-B14F-4D97-AF65-F5344CB8AC3E}">
-        <p14:creationId xmlns:p14="http://schemas.microsoft.com/office/powerpoint/2010/main" val="2504244601"/>
+        <p14:creationId xmlns:p14="http://schemas.microsoft.com/office/powerpoint/2010/main" val="168616255"/>
       </p:ext>
     </p:extLst>
   </p:cSld>
@@ -755,7 +755,7 @@
           <p:cNvPr id="2" name="标题 1">
             <a:extLst>
               <a:ext uri="{FF2B5EF4-FFF2-40B4-BE49-F238E27FC236}">
-                <a16:creationId xmlns:a16="http://schemas.microsoft.com/office/drawing/2014/main" id="{2D0E35BD-FCF1-D170-C135-79F163B088C2}"/>
+                <a16:creationId xmlns:a16="http://schemas.microsoft.com/office/drawing/2014/main" id="{86AEC4BB-256C-D85B-8121-E59532B97B6B}"/>
               </a:ext>
             </a:extLst>
           </p:cNvPr>
@@ -783,7 +783,7 @@
           <p:cNvPr id="3" name="内容占位符 2">
             <a:extLst>
               <a:ext uri="{FF2B5EF4-FFF2-40B4-BE49-F238E27FC236}">
-                <a16:creationId xmlns:a16="http://schemas.microsoft.com/office/drawing/2014/main" id="{C7478C87-CE45-FD9B-3CA2-99C76065D49C}"/>
+                <a16:creationId xmlns:a16="http://schemas.microsoft.com/office/drawing/2014/main" id="{CD6A4036-C855-DAF0-E50D-2900B3A68982}"/>
               </a:ext>
             </a:extLst>
           </p:cNvPr>
@@ -840,7 +840,7 @@
           <p:cNvPr id="4" name="日期占位符 3">
             <a:extLst>
               <a:ext uri="{FF2B5EF4-FFF2-40B4-BE49-F238E27FC236}">
-                <a16:creationId xmlns:a16="http://schemas.microsoft.com/office/drawing/2014/main" id="{40464259-A499-1F38-7EF6-4901CD8D15A7}"/>
+                <a16:creationId xmlns:a16="http://schemas.microsoft.com/office/drawing/2014/main" id="{92C9CC8B-C09F-9D43-17A1-474DA14CE315}"/>
               </a:ext>
             </a:extLst>
           </p:cNvPr>
@@ -856,7 +856,7 @@
           <a:bodyPr/>
           <a:lstStyle/>
           <a:p>
-            <a:fld id="{9A73021C-70A9-4F33-B72E-1170C1D69592}" type="datetimeFigureOut">
+            <a:fld id="{717D23BE-C6ED-426F-91A9-1DC5F3160D60}" type="datetimeFigureOut">
               <a:rPr lang="zh-CN" altLang="en-US" smtClean="0"/>
               <a:t>2024/3/10</a:t>
             </a:fld>
@@ -869,7 +869,7 @@
           <p:cNvPr id="5" name="页脚占位符 4">
             <a:extLst>
               <a:ext uri="{FF2B5EF4-FFF2-40B4-BE49-F238E27FC236}">
-                <a16:creationId xmlns:a16="http://schemas.microsoft.com/office/drawing/2014/main" id="{8A07F1CA-3928-1A2D-6E59-2957E4282517}"/>
+                <a16:creationId xmlns:a16="http://schemas.microsoft.com/office/drawing/2014/main" id="{9196F6E7-ED4D-7E6B-91EC-669970978FD2}"/>
               </a:ext>
             </a:extLst>
           </p:cNvPr>
@@ -894,7 +894,7 @@
           <p:cNvPr id="6" name="灯片编号占位符 5">
             <a:extLst>
               <a:ext uri="{FF2B5EF4-FFF2-40B4-BE49-F238E27FC236}">
-                <a16:creationId xmlns:a16="http://schemas.microsoft.com/office/drawing/2014/main" id="{E0CDA1CD-DCF2-C9AF-6971-27B59A471F74}"/>
+                <a16:creationId xmlns:a16="http://schemas.microsoft.com/office/drawing/2014/main" id="{3483320C-27E7-AD69-A881-3D7D69C17289}"/>
               </a:ext>
             </a:extLst>
           </p:cNvPr>
@@ -910,7 +910,7 @@
           <a:bodyPr/>
           <a:lstStyle/>
           <a:p>
-            <a:fld id="{2E69D7FE-66E2-4CD9-BF51-7A7153005A3D}" type="slidenum">
+            <a:fld id="{C386F4B7-D934-4675-87BE-4918B764DBCB}" type="slidenum">
               <a:rPr lang="zh-CN" altLang="en-US" smtClean="0"/>
               <a:t>‹#›</a:t>
             </a:fld>
@@ -921,7 +921,7 @@
     </p:spTree>
     <p:extLst>
       <p:ext uri="{BB962C8B-B14F-4D97-AF65-F5344CB8AC3E}">
-        <p14:creationId xmlns:p14="http://schemas.microsoft.com/office/powerpoint/2010/main" val="506379398"/>
+        <p14:creationId xmlns:p14="http://schemas.microsoft.com/office/powerpoint/2010/main" val="3510497823"/>
       </p:ext>
     </p:extLst>
   </p:cSld>
@@ -953,7 +953,7 @@
           <p:cNvPr id="2" name="标题 1">
             <a:extLst>
               <a:ext uri="{FF2B5EF4-FFF2-40B4-BE49-F238E27FC236}">
-                <a16:creationId xmlns:a16="http://schemas.microsoft.com/office/drawing/2014/main" id="{89DDD43E-4273-3AA8-4E74-024EABF11F9B}"/>
+                <a16:creationId xmlns:a16="http://schemas.microsoft.com/office/drawing/2014/main" id="{FEE4F4F2-B0B9-9396-64A1-BEBE4A2853CF}"/>
               </a:ext>
             </a:extLst>
           </p:cNvPr>
@@ -990,7 +990,7 @@
           <p:cNvPr id="3" name="文本占位符 2">
             <a:extLst>
               <a:ext uri="{FF2B5EF4-FFF2-40B4-BE49-F238E27FC236}">
-                <a16:creationId xmlns:a16="http://schemas.microsoft.com/office/drawing/2014/main" id="{3008B8E1-0EBF-3DE8-ED93-ECFD18CE4746}"/>
+                <a16:creationId xmlns:a16="http://schemas.microsoft.com/office/drawing/2014/main" id="{C914BF98-9613-65DB-D5C2-4D22E8251347}"/>
               </a:ext>
             </a:extLst>
           </p:cNvPr>
@@ -1115,7 +1115,7 @@
           <p:cNvPr id="4" name="日期占位符 3">
             <a:extLst>
               <a:ext uri="{FF2B5EF4-FFF2-40B4-BE49-F238E27FC236}">
-                <a16:creationId xmlns:a16="http://schemas.microsoft.com/office/drawing/2014/main" id="{0048811F-DE22-0BF6-FC26-50F9D8F37646}"/>
+                <a16:creationId xmlns:a16="http://schemas.microsoft.com/office/drawing/2014/main" id="{2866631E-1E62-E59F-9D6E-B0ACA834D4E1}"/>
               </a:ext>
             </a:extLst>
           </p:cNvPr>
@@ -1131,7 +1131,7 @@
           <a:bodyPr/>
           <a:lstStyle/>
           <a:p>
-            <a:fld id="{9A73021C-70A9-4F33-B72E-1170C1D69592}" type="datetimeFigureOut">
+            <a:fld id="{717D23BE-C6ED-426F-91A9-1DC5F3160D60}" type="datetimeFigureOut">
               <a:rPr lang="zh-CN" altLang="en-US" smtClean="0"/>
               <a:t>2024/3/10</a:t>
             </a:fld>
@@ -1144,7 +1144,7 @@
           <p:cNvPr id="5" name="页脚占位符 4">
             <a:extLst>
               <a:ext uri="{FF2B5EF4-FFF2-40B4-BE49-F238E27FC236}">
-                <a16:creationId xmlns:a16="http://schemas.microsoft.com/office/drawing/2014/main" id="{D426C510-014A-41A9-1C70-C39410D6C272}"/>
+                <a16:creationId xmlns:a16="http://schemas.microsoft.com/office/drawing/2014/main" id="{8ED9D469-5BB7-AFA2-5539-9C6FAD04BD87}"/>
               </a:ext>
             </a:extLst>
           </p:cNvPr>
@@ -1169,7 +1169,7 @@
           <p:cNvPr id="6" name="灯片编号占位符 5">
             <a:extLst>
               <a:ext uri="{FF2B5EF4-FFF2-40B4-BE49-F238E27FC236}">
-                <a16:creationId xmlns:a16="http://schemas.microsoft.com/office/drawing/2014/main" id="{ED415DF8-9E9F-6065-D7E6-CC9B77A891A4}"/>
+                <a16:creationId xmlns:a16="http://schemas.microsoft.com/office/drawing/2014/main" id="{2B8141F2-9CFC-611B-6B9F-7315C955244B}"/>
               </a:ext>
             </a:extLst>
           </p:cNvPr>
@@ -1185,7 +1185,7 @@
           <a:bodyPr/>
           <a:lstStyle/>
           <a:p>
-            <a:fld id="{2E69D7FE-66E2-4CD9-BF51-7A7153005A3D}" type="slidenum">
+            <a:fld id="{C386F4B7-D934-4675-87BE-4918B764DBCB}" type="slidenum">
               <a:rPr lang="zh-CN" altLang="en-US" smtClean="0"/>
               <a:t>‹#›</a:t>
             </a:fld>
@@ -1196,7 +1196,7 @@
     </p:spTree>
     <p:extLst>
       <p:ext uri="{BB962C8B-B14F-4D97-AF65-F5344CB8AC3E}">
-        <p14:creationId xmlns:p14="http://schemas.microsoft.com/office/powerpoint/2010/main" val="2255250901"/>
+        <p14:creationId xmlns:p14="http://schemas.microsoft.com/office/powerpoint/2010/main" val="2112147686"/>
       </p:ext>
     </p:extLst>
   </p:cSld>
@@ -1228,7 +1228,7 @@
           <p:cNvPr id="2" name="标题 1">
             <a:extLst>
               <a:ext uri="{FF2B5EF4-FFF2-40B4-BE49-F238E27FC236}">
-                <a16:creationId xmlns:a16="http://schemas.microsoft.com/office/drawing/2014/main" id="{380CA480-B8AA-09EA-A452-5CB1D3708D32}"/>
+                <a16:creationId xmlns:a16="http://schemas.microsoft.com/office/drawing/2014/main" id="{337CF837-0EC3-AF4D-8416-B6765E5FDFC6}"/>
               </a:ext>
             </a:extLst>
           </p:cNvPr>
@@ -1256,7 +1256,7 @@
           <p:cNvPr id="3" name="内容占位符 2">
             <a:extLst>
               <a:ext uri="{FF2B5EF4-FFF2-40B4-BE49-F238E27FC236}">
-                <a16:creationId xmlns:a16="http://schemas.microsoft.com/office/drawing/2014/main" id="{083C9155-F1EF-3CF8-5336-EF20F845AEFA}"/>
+                <a16:creationId xmlns:a16="http://schemas.microsoft.com/office/drawing/2014/main" id="{891DE626-D527-972D-7295-F54F275EF401}"/>
               </a:ext>
             </a:extLst>
           </p:cNvPr>
@@ -1318,7 +1318,7 @@
           <p:cNvPr id="4" name="内容占位符 3">
             <a:extLst>
               <a:ext uri="{FF2B5EF4-FFF2-40B4-BE49-F238E27FC236}">
-                <a16:creationId xmlns:a16="http://schemas.microsoft.com/office/drawing/2014/main" id="{B568EF06-31A4-A429-7607-A40AB8E27F34}"/>
+                <a16:creationId xmlns:a16="http://schemas.microsoft.com/office/drawing/2014/main" id="{1843713A-5267-AA1F-A910-B9F2C7C0FBD2}"/>
               </a:ext>
             </a:extLst>
           </p:cNvPr>
@@ -1380,7 +1380,7 @@
           <p:cNvPr id="5" name="日期占位符 4">
             <a:extLst>
               <a:ext uri="{FF2B5EF4-FFF2-40B4-BE49-F238E27FC236}">
-                <a16:creationId xmlns:a16="http://schemas.microsoft.com/office/drawing/2014/main" id="{F16B9BFD-3D77-00C5-CD14-81DFEDD6AB71}"/>
+                <a16:creationId xmlns:a16="http://schemas.microsoft.com/office/drawing/2014/main" id="{9F7ABCB0-B61D-DD73-F514-0B1D9DC26584}"/>
               </a:ext>
             </a:extLst>
           </p:cNvPr>
@@ -1396,7 +1396,7 @@
           <a:bodyPr/>
           <a:lstStyle/>
           <a:p>
-            <a:fld id="{9A73021C-70A9-4F33-B72E-1170C1D69592}" type="datetimeFigureOut">
+            <a:fld id="{717D23BE-C6ED-426F-91A9-1DC5F3160D60}" type="datetimeFigureOut">
               <a:rPr lang="zh-CN" altLang="en-US" smtClean="0"/>
               <a:t>2024/3/10</a:t>
             </a:fld>
@@ -1409,7 +1409,7 @@
           <p:cNvPr id="6" name="页脚占位符 5">
             <a:extLst>
               <a:ext uri="{FF2B5EF4-FFF2-40B4-BE49-F238E27FC236}">
-                <a16:creationId xmlns:a16="http://schemas.microsoft.com/office/drawing/2014/main" id="{B1706906-C051-E777-C89E-0572CF3D6B99}"/>
+                <a16:creationId xmlns:a16="http://schemas.microsoft.com/office/drawing/2014/main" id="{6550A010-BA52-25A3-7FBE-3AD35443F231}"/>
               </a:ext>
             </a:extLst>
           </p:cNvPr>
@@ -1434,7 +1434,7 @@
           <p:cNvPr id="7" name="灯片编号占位符 6">
             <a:extLst>
               <a:ext uri="{FF2B5EF4-FFF2-40B4-BE49-F238E27FC236}">
-                <a16:creationId xmlns:a16="http://schemas.microsoft.com/office/drawing/2014/main" id="{C4D8A91B-5F26-757D-5603-FA3F75E8B7C9}"/>
+                <a16:creationId xmlns:a16="http://schemas.microsoft.com/office/drawing/2014/main" id="{E16803FE-F1DD-5524-0684-05C64B35436A}"/>
               </a:ext>
             </a:extLst>
           </p:cNvPr>
@@ -1450,7 +1450,7 @@
           <a:bodyPr/>
           <a:lstStyle/>
           <a:p>
-            <a:fld id="{2E69D7FE-66E2-4CD9-BF51-7A7153005A3D}" type="slidenum">
+            <a:fld id="{C386F4B7-D934-4675-87BE-4918B764DBCB}" type="slidenum">
               <a:rPr lang="zh-CN" altLang="en-US" smtClean="0"/>
               <a:t>‹#›</a:t>
             </a:fld>
@@ -1461,7 +1461,7 @@
     </p:spTree>
     <p:extLst>
       <p:ext uri="{BB962C8B-B14F-4D97-AF65-F5344CB8AC3E}">
-        <p14:creationId xmlns:p14="http://schemas.microsoft.com/office/powerpoint/2010/main" val="2031816359"/>
+        <p14:creationId xmlns:p14="http://schemas.microsoft.com/office/powerpoint/2010/main" val="3018432585"/>
       </p:ext>
     </p:extLst>
   </p:cSld>
@@ -1493,7 +1493,7 @@
           <p:cNvPr id="2" name="标题 1">
             <a:extLst>
               <a:ext uri="{FF2B5EF4-FFF2-40B4-BE49-F238E27FC236}">
-                <a16:creationId xmlns:a16="http://schemas.microsoft.com/office/drawing/2014/main" id="{F94A1EFC-7AE5-F4F2-32FE-7D7682ADAB85}"/>
+                <a16:creationId xmlns:a16="http://schemas.microsoft.com/office/drawing/2014/main" id="{235925D1-E367-0CEB-8E87-081FEFDF2E7E}"/>
               </a:ext>
             </a:extLst>
           </p:cNvPr>
@@ -1526,7 +1526,7 @@
           <p:cNvPr id="3" name="文本占位符 2">
             <a:extLst>
               <a:ext uri="{FF2B5EF4-FFF2-40B4-BE49-F238E27FC236}">
-                <a16:creationId xmlns:a16="http://schemas.microsoft.com/office/drawing/2014/main" id="{AFB5033D-B278-963E-9B31-2B0EDA99599A}"/>
+                <a16:creationId xmlns:a16="http://schemas.microsoft.com/office/drawing/2014/main" id="{01676F5E-CA1D-B901-7A2D-352FF2835EE9}"/>
               </a:ext>
             </a:extLst>
           </p:cNvPr>
@@ -1597,7 +1597,7 @@
           <p:cNvPr id="4" name="内容占位符 3">
             <a:extLst>
               <a:ext uri="{FF2B5EF4-FFF2-40B4-BE49-F238E27FC236}">
-                <a16:creationId xmlns:a16="http://schemas.microsoft.com/office/drawing/2014/main" id="{241E29DF-4096-EE8C-33E3-6741977FAE6A}"/>
+                <a16:creationId xmlns:a16="http://schemas.microsoft.com/office/drawing/2014/main" id="{F06C5A75-3703-05FB-8172-1679FD43BF1F}"/>
               </a:ext>
             </a:extLst>
           </p:cNvPr>
@@ -1659,7 +1659,7 @@
           <p:cNvPr id="5" name="文本占位符 4">
             <a:extLst>
               <a:ext uri="{FF2B5EF4-FFF2-40B4-BE49-F238E27FC236}">
-                <a16:creationId xmlns:a16="http://schemas.microsoft.com/office/drawing/2014/main" id="{F4976A06-9DE1-DD10-68FF-A4291E58E35B}"/>
+                <a16:creationId xmlns:a16="http://schemas.microsoft.com/office/drawing/2014/main" id="{2FA43471-9B5E-E09C-5A7B-5665F0EE153C}"/>
               </a:ext>
             </a:extLst>
           </p:cNvPr>
@@ -1730,7 +1730,7 @@
           <p:cNvPr id="6" name="内容占位符 5">
             <a:extLst>
               <a:ext uri="{FF2B5EF4-FFF2-40B4-BE49-F238E27FC236}">
-                <a16:creationId xmlns:a16="http://schemas.microsoft.com/office/drawing/2014/main" id="{572240F3-9899-8E47-E663-FA8EA0DBF74F}"/>
+                <a16:creationId xmlns:a16="http://schemas.microsoft.com/office/drawing/2014/main" id="{F92B2FD3-17A9-F16F-DBF3-21FC7BE402B0}"/>
               </a:ext>
             </a:extLst>
           </p:cNvPr>
@@ -1792,7 +1792,7 @@
           <p:cNvPr id="7" name="日期占位符 6">
             <a:extLst>
               <a:ext uri="{FF2B5EF4-FFF2-40B4-BE49-F238E27FC236}">
-                <a16:creationId xmlns:a16="http://schemas.microsoft.com/office/drawing/2014/main" id="{FBBC4FA6-939D-FCAF-555C-B410D8537E4C}"/>
+                <a16:creationId xmlns:a16="http://schemas.microsoft.com/office/drawing/2014/main" id="{8474BAFB-20AA-631E-A64F-EFE3A7E36D04}"/>
               </a:ext>
             </a:extLst>
           </p:cNvPr>
@@ -1808,7 +1808,7 @@
           <a:bodyPr/>
           <a:lstStyle/>
           <a:p>
-            <a:fld id="{9A73021C-70A9-4F33-B72E-1170C1D69592}" type="datetimeFigureOut">
+            <a:fld id="{717D23BE-C6ED-426F-91A9-1DC5F3160D60}" type="datetimeFigureOut">
               <a:rPr lang="zh-CN" altLang="en-US" smtClean="0"/>
               <a:t>2024/3/10</a:t>
             </a:fld>
@@ -1821,7 +1821,7 @@
           <p:cNvPr id="8" name="页脚占位符 7">
             <a:extLst>
               <a:ext uri="{FF2B5EF4-FFF2-40B4-BE49-F238E27FC236}">
-                <a16:creationId xmlns:a16="http://schemas.microsoft.com/office/drawing/2014/main" id="{2ED5C46D-7352-8046-5860-8F7408B9F95C}"/>
+                <a16:creationId xmlns:a16="http://schemas.microsoft.com/office/drawing/2014/main" id="{3C0FC43A-92B9-81FE-59F0-A3B17115F3B9}"/>
               </a:ext>
             </a:extLst>
           </p:cNvPr>
@@ -1846,7 +1846,7 @@
           <p:cNvPr id="9" name="灯片编号占位符 8">
             <a:extLst>
               <a:ext uri="{FF2B5EF4-FFF2-40B4-BE49-F238E27FC236}">
-                <a16:creationId xmlns:a16="http://schemas.microsoft.com/office/drawing/2014/main" id="{74474FE9-E42E-7402-0671-AC0B17ECE3D1}"/>
+                <a16:creationId xmlns:a16="http://schemas.microsoft.com/office/drawing/2014/main" id="{F3D37244-0B69-13B2-920A-9E5A75B59B16}"/>
               </a:ext>
             </a:extLst>
           </p:cNvPr>
@@ -1862,7 +1862,7 @@
           <a:bodyPr/>
           <a:lstStyle/>
           <a:p>
-            <a:fld id="{2E69D7FE-66E2-4CD9-BF51-7A7153005A3D}" type="slidenum">
+            <a:fld id="{C386F4B7-D934-4675-87BE-4918B764DBCB}" type="slidenum">
               <a:rPr lang="zh-CN" altLang="en-US" smtClean="0"/>
               <a:t>‹#›</a:t>
             </a:fld>
@@ -1873,7 +1873,7 @@
     </p:spTree>
     <p:extLst>
       <p:ext uri="{BB962C8B-B14F-4D97-AF65-F5344CB8AC3E}">
-        <p14:creationId xmlns:p14="http://schemas.microsoft.com/office/powerpoint/2010/main" val="303767939"/>
+        <p14:creationId xmlns:p14="http://schemas.microsoft.com/office/powerpoint/2010/main" val="1163958113"/>
       </p:ext>
     </p:extLst>
   </p:cSld>
@@ -1905,7 +1905,7 @@
           <p:cNvPr id="2" name="标题 1">
             <a:extLst>
               <a:ext uri="{FF2B5EF4-FFF2-40B4-BE49-F238E27FC236}">
-                <a16:creationId xmlns:a16="http://schemas.microsoft.com/office/drawing/2014/main" id="{B9DA9CC0-50EA-33A3-01D9-11FBBDBC440F}"/>
+                <a16:creationId xmlns:a16="http://schemas.microsoft.com/office/drawing/2014/main" id="{D11B843A-E5F8-AD4A-B652-2EAA6BD28D04}"/>
               </a:ext>
             </a:extLst>
           </p:cNvPr>
@@ -1933,7 +1933,7 @@
           <p:cNvPr id="3" name="日期占位符 2">
             <a:extLst>
               <a:ext uri="{FF2B5EF4-FFF2-40B4-BE49-F238E27FC236}">
-                <a16:creationId xmlns:a16="http://schemas.microsoft.com/office/drawing/2014/main" id="{99E97A2A-EF2F-E72B-33B7-D96DA5C0F468}"/>
+                <a16:creationId xmlns:a16="http://schemas.microsoft.com/office/drawing/2014/main" id="{728183BD-0C10-A98C-0759-AF99EC9D7C54}"/>
               </a:ext>
             </a:extLst>
           </p:cNvPr>
@@ -1949,7 +1949,7 @@
           <a:bodyPr/>
           <a:lstStyle/>
           <a:p>
-            <a:fld id="{9A73021C-70A9-4F33-B72E-1170C1D69592}" type="datetimeFigureOut">
+            <a:fld id="{717D23BE-C6ED-426F-91A9-1DC5F3160D60}" type="datetimeFigureOut">
               <a:rPr lang="zh-CN" altLang="en-US" smtClean="0"/>
               <a:t>2024/3/10</a:t>
             </a:fld>
@@ -1962,7 +1962,7 @@
           <p:cNvPr id="4" name="页脚占位符 3">
             <a:extLst>
               <a:ext uri="{FF2B5EF4-FFF2-40B4-BE49-F238E27FC236}">
-                <a16:creationId xmlns:a16="http://schemas.microsoft.com/office/drawing/2014/main" id="{BB2141C2-F2B2-F48C-BEBF-45B22E2AF2D3}"/>
+                <a16:creationId xmlns:a16="http://schemas.microsoft.com/office/drawing/2014/main" id="{FEAF343C-8AEC-656A-8031-BB1346B66DFF}"/>
               </a:ext>
             </a:extLst>
           </p:cNvPr>
@@ -1987,7 +1987,7 @@
           <p:cNvPr id="5" name="灯片编号占位符 4">
             <a:extLst>
               <a:ext uri="{FF2B5EF4-FFF2-40B4-BE49-F238E27FC236}">
-                <a16:creationId xmlns:a16="http://schemas.microsoft.com/office/drawing/2014/main" id="{6CC0D765-5DEA-0553-7771-4C3672879905}"/>
+                <a16:creationId xmlns:a16="http://schemas.microsoft.com/office/drawing/2014/main" id="{2842C2FF-5DF0-53CC-AA2C-C81EBBF7BE96}"/>
               </a:ext>
             </a:extLst>
           </p:cNvPr>
@@ -2003,7 +2003,7 @@
           <a:bodyPr/>
           <a:lstStyle/>
           <a:p>
-            <a:fld id="{2E69D7FE-66E2-4CD9-BF51-7A7153005A3D}" type="slidenum">
+            <a:fld id="{C386F4B7-D934-4675-87BE-4918B764DBCB}" type="slidenum">
               <a:rPr lang="zh-CN" altLang="en-US" smtClean="0"/>
               <a:t>‹#›</a:t>
             </a:fld>
@@ -2014,7 +2014,7 @@
     </p:spTree>
     <p:extLst>
       <p:ext uri="{BB962C8B-B14F-4D97-AF65-F5344CB8AC3E}">
-        <p14:creationId xmlns:p14="http://schemas.microsoft.com/office/powerpoint/2010/main" val="2186897415"/>
+        <p14:creationId xmlns:p14="http://schemas.microsoft.com/office/powerpoint/2010/main" val="1644228166"/>
       </p:ext>
     </p:extLst>
   </p:cSld>
@@ -2046,7 +2046,7 @@
           <p:cNvPr id="2" name="日期占位符 1">
             <a:extLst>
               <a:ext uri="{FF2B5EF4-FFF2-40B4-BE49-F238E27FC236}">
-                <a16:creationId xmlns:a16="http://schemas.microsoft.com/office/drawing/2014/main" id="{890BC983-C194-556F-7284-AFF0453BB4D3}"/>
+                <a16:creationId xmlns:a16="http://schemas.microsoft.com/office/drawing/2014/main" id="{13BF56F6-0F98-EAD1-249B-F0CB220812B3}"/>
               </a:ext>
             </a:extLst>
           </p:cNvPr>
@@ -2062,7 +2062,7 @@
           <a:bodyPr/>
           <a:lstStyle/>
           <a:p>
-            <a:fld id="{9A73021C-70A9-4F33-B72E-1170C1D69592}" type="datetimeFigureOut">
+            <a:fld id="{717D23BE-C6ED-426F-91A9-1DC5F3160D60}" type="datetimeFigureOut">
               <a:rPr lang="zh-CN" altLang="en-US" smtClean="0"/>
               <a:t>2024/3/10</a:t>
             </a:fld>
@@ -2075,7 +2075,7 @@
           <p:cNvPr id="3" name="页脚占位符 2">
             <a:extLst>
               <a:ext uri="{FF2B5EF4-FFF2-40B4-BE49-F238E27FC236}">
-                <a16:creationId xmlns:a16="http://schemas.microsoft.com/office/drawing/2014/main" id="{39B4A182-1599-B4B1-342D-0ACC9F795A21}"/>
+                <a16:creationId xmlns:a16="http://schemas.microsoft.com/office/drawing/2014/main" id="{0432A893-CCBE-6FBE-9F69-4FF08E468BD9}"/>
               </a:ext>
             </a:extLst>
           </p:cNvPr>
@@ -2100,7 +2100,7 @@
           <p:cNvPr id="4" name="灯片编号占位符 3">
             <a:extLst>
               <a:ext uri="{FF2B5EF4-FFF2-40B4-BE49-F238E27FC236}">
-                <a16:creationId xmlns:a16="http://schemas.microsoft.com/office/drawing/2014/main" id="{85B95984-7697-72ED-745B-9D7BD97CE9D6}"/>
+                <a16:creationId xmlns:a16="http://schemas.microsoft.com/office/drawing/2014/main" id="{C8929FA9-488B-EFAD-2937-301EB57B0FC3}"/>
               </a:ext>
             </a:extLst>
           </p:cNvPr>
@@ -2116,7 +2116,7 @@
           <a:bodyPr/>
           <a:lstStyle/>
           <a:p>
-            <a:fld id="{2E69D7FE-66E2-4CD9-BF51-7A7153005A3D}" type="slidenum">
+            <a:fld id="{C386F4B7-D934-4675-87BE-4918B764DBCB}" type="slidenum">
               <a:rPr lang="zh-CN" altLang="en-US" smtClean="0"/>
               <a:t>‹#›</a:t>
             </a:fld>
@@ -2127,7 +2127,7 @@
     </p:spTree>
     <p:extLst>
       <p:ext uri="{BB962C8B-B14F-4D97-AF65-F5344CB8AC3E}">
-        <p14:creationId xmlns:p14="http://schemas.microsoft.com/office/powerpoint/2010/main" val="1591065640"/>
+        <p14:creationId xmlns:p14="http://schemas.microsoft.com/office/powerpoint/2010/main" val="2183304941"/>
       </p:ext>
     </p:extLst>
   </p:cSld>
@@ -2159,7 +2159,7 @@
           <p:cNvPr id="2" name="标题 1">
             <a:extLst>
               <a:ext uri="{FF2B5EF4-FFF2-40B4-BE49-F238E27FC236}">
-                <a16:creationId xmlns:a16="http://schemas.microsoft.com/office/drawing/2014/main" id="{ABB4C0B3-F758-C329-3DAE-FDCC74DD4876}"/>
+                <a16:creationId xmlns:a16="http://schemas.microsoft.com/office/drawing/2014/main" id="{01B70C38-667B-9D1F-58E9-205800173048}"/>
               </a:ext>
             </a:extLst>
           </p:cNvPr>
@@ -2196,7 +2196,7 @@
           <p:cNvPr id="3" name="内容占位符 2">
             <a:extLst>
               <a:ext uri="{FF2B5EF4-FFF2-40B4-BE49-F238E27FC236}">
-                <a16:creationId xmlns:a16="http://schemas.microsoft.com/office/drawing/2014/main" id="{0B76C27A-8C97-BD75-3E80-8DE7A5F9F63A}"/>
+                <a16:creationId xmlns:a16="http://schemas.microsoft.com/office/drawing/2014/main" id="{5F0685C3-16C9-30E7-BB9E-1CC83EF0D8CB}"/>
               </a:ext>
             </a:extLst>
           </p:cNvPr>
@@ -2286,7 +2286,7 @@
           <p:cNvPr id="4" name="文本占位符 3">
             <a:extLst>
               <a:ext uri="{FF2B5EF4-FFF2-40B4-BE49-F238E27FC236}">
-                <a16:creationId xmlns:a16="http://schemas.microsoft.com/office/drawing/2014/main" id="{F28CEDD3-06F2-D0C9-BAD5-4657F492F4B3}"/>
+                <a16:creationId xmlns:a16="http://schemas.microsoft.com/office/drawing/2014/main" id="{1EA61C28-E23A-6A84-CB25-004103B6F81A}"/>
               </a:ext>
             </a:extLst>
           </p:cNvPr>
@@ -2357,7 +2357,7 @@
           <p:cNvPr id="5" name="日期占位符 4">
             <a:extLst>
               <a:ext uri="{FF2B5EF4-FFF2-40B4-BE49-F238E27FC236}">
-                <a16:creationId xmlns:a16="http://schemas.microsoft.com/office/drawing/2014/main" id="{F26B6FBC-BA77-26CD-7CD5-3EC897064FFE}"/>
+                <a16:creationId xmlns:a16="http://schemas.microsoft.com/office/drawing/2014/main" id="{900AF70B-0003-0F90-215E-CA42697AA393}"/>
               </a:ext>
             </a:extLst>
           </p:cNvPr>
@@ -2373,7 +2373,7 @@
           <a:bodyPr/>
           <a:lstStyle/>
           <a:p>
-            <a:fld id="{9A73021C-70A9-4F33-B72E-1170C1D69592}" type="datetimeFigureOut">
+            <a:fld id="{717D23BE-C6ED-426F-91A9-1DC5F3160D60}" type="datetimeFigureOut">
               <a:rPr lang="zh-CN" altLang="en-US" smtClean="0"/>
               <a:t>2024/3/10</a:t>
             </a:fld>
@@ -2386,7 +2386,7 @@
           <p:cNvPr id="6" name="页脚占位符 5">
             <a:extLst>
               <a:ext uri="{FF2B5EF4-FFF2-40B4-BE49-F238E27FC236}">
-                <a16:creationId xmlns:a16="http://schemas.microsoft.com/office/drawing/2014/main" id="{19D2CCF1-62E7-6458-789A-816066D8C5BE}"/>
+                <a16:creationId xmlns:a16="http://schemas.microsoft.com/office/drawing/2014/main" id="{6557451C-398B-0208-C218-CD3C9AF0ED5E}"/>
               </a:ext>
             </a:extLst>
           </p:cNvPr>
@@ -2411,7 +2411,7 @@
           <p:cNvPr id="7" name="灯片编号占位符 6">
             <a:extLst>
               <a:ext uri="{FF2B5EF4-FFF2-40B4-BE49-F238E27FC236}">
-                <a16:creationId xmlns:a16="http://schemas.microsoft.com/office/drawing/2014/main" id="{CC6CB8CE-C4C1-0D9D-04A1-8C2AE54CBD88}"/>
+                <a16:creationId xmlns:a16="http://schemas.microsoft.com/office/drawing/2014/main" id="{46FEE85A-EFA3-C977-F72C-C6B6025E76D8}"/>
               </a:ext>
             </a:extLst>
           </p:cNvPr>
@@ -2427,7 +2427,7 @@
           <a:bodyPr/>
           <a:lstStyle/>
           <a:p>
-            <a:fld id="{2E69D7FE-66E2-4CD9-BF51-7A7153005A3D}" type="slidenum">
+            <a:fld id="{C386F4B7-D934-4675-87BE-4918B764DBCB}" type="slidenum">
               <a:rPr lang="zh-CN" altLang="en-US" smtClean="0"/>
               <a:t>‹#›</a:t>
             </a:fld>
@@ -2438,7 +2438,7 @@
     </p:spTree>
     <p:extLst>
       <p:ext uri="{BB962C8B-B14F-4D97-AF65-F5344CB8AC3E}">
-        <p14:creationId xmlns:p14="http://schemas.microsoft.com/office/powerpoint/2010/main" val="3715714388"/>
+        <p14:creationId xmlns:p14="http://schemas.microsoft.com/office/powerpoint/2010/main" val="3708885614"/>
       </p:ext>
     </p:extLst>
   </p:cSld>
@@ -2470,7 +2470,7 @@
           <p:cNvPr id="2" name="标题 1">
             <a:extLst>
               <a:ext uri="{FF2B5EF4-FFF2-40B4-BE49-F238E27FC236}">
-                <a16:creationId xmlns:a16="http://schemas.microsoft.com/office/drawing/2014/main" id="{79932651-1C91-C866-5BB1-64DE2B170CA4}"/>
+                <a16:creationId xmlns:a16="http://schemas.microsoft.com/office/drawing/2014/main" id="{7896DEAD-5717-CB8D-7B7F-1EDA023AE4BF}"/>
               </a:ext>
             </a:extLst>
           </p:cNvPr>
@@ -2507,7 +2507,7 @@
           <p:cNvPr id="3" name="图片占位符 2">
             <a:extLst>
               <a:ext uri="{FF2B5EF4-FFF2-40B4-BE49-F238E27FC236}">
-                <a16:creationId xmlns:a16="http://schemas.microsoft.com/office/drawing/2014/main" id="{81844ACF-49D4-5FA4-E2AB-AE21E8548235}"/>
+                <a16:creationId xmlns:a16="http://schemas.microsoft.com/office/drawing/2014/main" id="{CE38435F-00BA-28EB-629E-ADB39F10727F}"/>
               </a:ext>
             </a:extLst>
           </p:cNvPr>
@@ -2574,7 +2574,7 @@
           <p:cNvPr id="4" name="文本占位符 3">
             <a:extLst>
               <a:ext uri="{FF2B5EF4-FFF2-40B4-BE49-F238E27FC236}">
-                <a16:creationId xmlns:a16="http://schemas.microsoft.com/office/drawing/2014/main" id="{B1D6BC30-1C47-1F11-39C0-C0C9641AD93B}"/>
+                <a16:creationId xmlns:a16="http://schemas.microsoft.com/office/drawing/2014/main" id="{0248507E-6E5E-D83A-D1A2-5B152CC46812}"/>
               </a:ext>
             </a:extLst>
           </p:cNvPr>
@@ -2645,7 +2645,7 @@
           <p:cNvPr id="5" name="日期占位符 4">
             <a:extLst>
               <a:ext uri="{FF2B5EF4-FFF2-40B4-BE49-F238E27FC236}">
-                <a16:creationId xmlns:a16="http://schemas.microsoft.com/office/drawing/2014/main" id="{8AEBED8A-114A-F82D-D341-8F80BE1BFD0C}"/>
+                <a16:creationId xmlns:a16="http://schemas.microsoft.com/office/drawing/2014/main" id="{BEAD2E5F-C889-3E8F-CCA7-163A807C3913}"/>
               </a:ext>
             </a:extLst>
           </p:cNvPr>
@@ -2661,7 +2661,7 @@
           <a:bodyPr/>
           <a:lstStyle/>
           <a:p>
-            <a:fld id="{9A73021C-70A9-4F33-B72E-1170C1D69592}" type="datetimeFigureOut">
+            <a:fld id="{717D23BE-C6ED-426F-91A9-1DC5F3160D60}" type="datetimeFigureOut">
               <a:rPr lang="zh-CN" altLang="en-US" smtClean="0"/>
               <a:t>2024/3/10</a:t>
             </a:fld>
@@ -2674,7 +2674,7 @@
           <p:cNvPr id="6" name="页脚占位符 5">
             <a:extLst>
               <a:ext uri="{FF2B5EF4-FFF2-40B4-BE49-F238E27FC236}">
-                <a16:creationId xmlns:a16="http://schemas.microsoft.com/office/drawing/2014/main" id="{3F489331-7CAA-63FF-93E1-A19E92655CA9}"/>
+                <a16:creationId xmlns:a16="http://schemas.microsoft.com/office/drawing/2014/main" id="{2F4B2B26-79A6-F653-C4A4-CD30E4E7E2FD}"/>
               </a:ext>
             </a:extLst>
           </p:cNvPr>
@@ -2699,7 +2699,7 @@
           <p:cNvPr id="7" name="灯片编号占位符 6">
             <a:extLst>
               <a:ext uri="{FF2B5EF4-FFF2-40B4-BE49-F238E27FC236}">
-                <a16:creationId xmlns:a16="http://schemas.microsoft.com/office/drawing/2014/main" id="{452E2E06-E259-70C0-A9B8-C919BEFBE7B3}"/>
+                <a16:creationId xmlns:a16="http://schemas.microsoft.com/office/drawing/2014/main" id="{5A1B0658-AAD8-8350-0871-83E0972ADD0A}"/>
               </a:ext>
             </a:extLst>
           </p:cNvPr>
@@ -2715,7 +2715,7 @@
           <a:bodyPr/>
           <a:lstStyle/>
           <a:p>
-            <a:fld id="{2E69D7FE-66E2-4CD9-BF51-7A7153005A3D}" type="slidenum">
+            <a:fld id="{C386F4B7-D934-4675-87BE-4918B764DBCB}" type="slidenum">
               <a:rPr lang="zh-CN" altLang="en-US" smtClean="0"/>
               <a:t>‹#›</a:t>
             </a:fld>
@@ -2726,7 +2726,7 @@
     </p:spTree>
     <p:extLst>
       <p:ext uri="{BB962C8B-B14F-4D97-AF65-F5344CB8AC3E}">
-        <p14:creationId xmlns:p14="http://schemas.microsoft.com/office/powerpoint/2010/main" val="3043301029"/>
+        <p14:creationId xmlns:p14="http://schemas.microsoft.com/office/powerpoint/2010/main" val="3487084495"/>
       </p:ext>
     </p:extLst>
   </p:cSld>
@@ -2763,7 +2763,7 @@
           <p:cNvPr id="2" name="标题占位符 1">
             <a:extLst>
               <a:ext uri="{FF2B5EF4-FFF2-40B4-BE49-F238E27FC236}">
-                <a16:creationId xmlns:a16="http://schemas.microsoft.com/office/drawing/2014/main" id="{1C65C0B6-711A-900F-A30D-B6249491A87C}"/>
+                <a16:creationId xmlns:a16="http://schemas.microsoft.com/office/drawing/2014/main" id="{2BC4CD42-B21A-A3AA-6D18-4C961ED91F4A}"/>
               </a:ext>
             </a:extLst>
           </p:cNvPr>
@@ -2801,7 +2801,7 @@
           <p:cNvPr id="3" name="文本占位符 2">
             <a:extLst>
               <a:ext uri="{FF2B5EF4-FFF2-40B4-BE49-F238E27FC236}">
-                <a16:creationId xmlns:a16="http://schemas.microsoft.com/office/drawing/2014/main" id="{9CD2D154-B12F-8D82-5C77-A7029A900652}"/>
+                <a16:creationId xmlns:a16="http://schemas.microsoft.com/office/drawing/2014/main" id="{1A69F4B6-FFCD-A7F5-B6B8-3EACB69D6780}"/>
               </a:ext>
             </a:extLst>
           </p:cNvPr>
@@ -2868,7 +2868,7 @@
           <p:cNvPr id="4" name="日期占位符 3">
             <a:extLst>
               <a:ext uri="{FF2B5EF4-FFF2-40B4-BE49-F238E27FC236}">
-                <a16:creationId xmlns:a16="http://schemas.microsoft.com/office/drawing/2014/main" id="{CC2FE0F8-EC5A-7D66-7A21-58C05052C79B}"/>
+                <a16:creationId xmlns:a16="http://schemas.microsoft.com/office/drawing/2014/main" id="{C3E9537A-5375-CD54-9619-34556C20A437}"/>
               </a:ext>
             </a:extLst>
           </p:cNvPr>
@@ -2902,7 +2902,7 @@
             </a:lvl1pPr>
           </a:lstStyle>
           <a:p>
-            <a:fld id="{9A73021C-70A9-4F33-B72E-1170C1D69592}" type="datetimeFigureOut">
+            <a:fld id="{717D23BE-C6ED-426F-91A9-1DC5F3160D60}" type="datetimeFigureOut">
               <a:rPr lang="zh-CN" altLang="en-US" smtClean="0"/>
               <a:t>2024/3/10</a:t>
             </a:fld>
@@ -2915,7 +2915,7 @@
           <p:cNvPr id="5" name="页脚占位符 4">
             <a:extLst>
               <a:ext uri="{FF2B5EF4-FFF2-40B4-BE49-F238E27FC236}">
-                <a16:creationId xmlns:a16="http://schemas.microsoft.com/office/drawing/2014/main" id="{31B74111-6820-2B6A-205F-5AFEBF28147C}"/>
+                <a16:creationId xmlns:a16="http://schemas.microsoft.com/office/drawing/2014/main" id="{50A5B7CA-E8DF-CCD3-518E-18912B096B36}"/>
               </a:ext>
             </a:extLst>
           </p:cNvPr>
@@ -2958,7 +2958,7 @@
           <p:cNvPr id="6" name="灯片编号占位符 5">
             <a:extLst>
               <a:ext uri="{FF2B5EF4-FFF2-40B4-BE49-F238E27FC236}">
-                <a16:creationId xmlns:a16="http://schemas.microsoft.com/office/drawing/2014/main" id="{ADACEB22-225C-6989-B5E2-D600D4688B4A}"/>
+                <a16:creationId xmlns:a16="http://schemas.microsoft.com/office/drawing/2014/main" id="{649E10B2-15CE-92F7-758B-5A1C8B060E3B}"/>
               </a:ext>
             </a:extLst>
           </p:cNvPr>
@@ -2992,7 +2992,7 @@
             </a:lvl1pPr>
           </a:lstStyle>
           <a:p>
-            <a:fld id="{2E69D7FE-66E2-4CD9-BF51-7A7153005A3D}" type="slidenum">
+            <a:fld id="{C386F4B7-D934-4675-87BE-4918B764DBCB}" type="slidenum">
               <a:rPr lang="zh-CN" altLang="en-US" smtClean="0"/>
               <a:t>‹#›</a:t>
             </a:fld>
@@ -3003,7 +3003,7 @@
     </p:spTree>
     <p:extLst>
       <p:ext uri="{BB962C8B-B14F-4D97-AF65-F5344CB8AC3E}">
-        <p14:creationId xmlns:p14="http://schemas.microsoft.com/office/powerpoint/2010/main" val="558961086"/>
+        <p14:creationId xmlns:p14="http://schemas.microsoft.com/office/powerpoint/2010/main" val="1979335769"/>
       </p:ext>
     </p:extLst>
   </p:cSld>
@@ -3323,7 +3323,7 @@
       </p:grpSpPr>
       <p:pic>
         <p:nvPicPr>
-          <p:cNvPr id="591874" name="Picture 2" descr="577"/>
+          <p:cNvPr id="592898" name="Picture 2" descr="578"/>
           <p:cNvPicPr>
             <a:picLocks noChangeAspect="1" noChangeArrowheads="1"/>
           </p:cNvPicPr>
